--- a/d3_screenshots.pptx
+++ b/d3_screenshots.pptx
@@ -7,6 +7,7 @@
   <p:sldIdLst>
     <p:sldId id="256" r:id="rId2"/>
     <p:sldId id="257" r:id="rId3"/>
+    <p:sldId id="258" r:id="rId4"/>
   </p:sldIdLst>
   <p:sldSz cx="12192000" cy="6858000"/>
   <p:notesSz cx="6858000" cy="9144000"/>
@@ -105,6 +106,11 @@
       </a:defRPr>
     </a:lvl9pPr>
   </p:defaultTextStyle>
+  <p:extLst>
+    <p:ext uri="{EFAFB233-063F-42B5-8137-9DF3F51BA10A}">
+      <p15:sldGuideLst xmlns:p15="http://schemas.microsoft.com/office/powerpoint/2012/main"/>
+    </p:ext>
+  </p:extLst>
 </p:presentation>
 </file>
 
@@ -153,7 +159,6 @@
               <a:rPr lang="en-US"/>
               <a:t>Click to edit Master title style</a:t>
             </a:r>
-            <a:endParaRPr lang="en-US"/>
           </a:p>
         </p:txBody>
       </p:sp>
@@ -218,7 +223,6 @@
               <a:rPr lang="en-US"/>
               <a:t>Click to edit Master subtitle style</a:t>
             </a:r>
-            <a:endParaRPr lang="en-US"/>
           </a:p>
         </p:txBody>
       </p:sp>
@@ -336,7 +340,6 @@
               <a:rPr lang="en-US"/>
               <a:t>Click to edit Master title style</a:t>
             </a:r>
-            <a:endParaRPr lang="en-US"/>
           </a:p>
         </p:txBody>
       </p:sp>
@@ -388,7 +391,6 @@
               <a:rPr lang="en-US"/>
               <a:t>Fifth level</a:t>
             </a:r>
-            <a:endParaRPr lang="en-US"/>
           </a:p>
         </p:txBody>
       </p:sp>
@@ -511,7 +513,6 @@
               <a:rPr lang="en-US"/>
               <a:t>Click to edit Master title style</a:t>
             </a:r>
-            <a:endParaRPr lang="en-US"/>
           </a:p>
         </p:txBody>
       </p:sp>
@@ -568,7 +569,6 @@
               <a:rPr lang="en-US"/>
               <a:t>Fifth level</a:t>
             </a:r>
-            <a:endParaRPr lang="en-US"/>
           </a:p>
         </p:txBody>
       </p:sp>
@@ -686,7 +686,6 @@
               <a:rPr lang="en-US"/>
               <a:t>Click to edit Master title style</a:t>
             </a:r>
-            <a:endParaRPr lang="en-US"/>
           </a:p>
         </p:txBody>
       </p:sp>
@@ -738,7 +737,6 @@
               <a:rPr lang="en-US"/>
               <a:t>Fifth level</a:t>
             </a:r>
-            <a:endParaRPr lang="en-US"/>
           </a:p>
         </p:txBody>
       </p:sp>
@@ -865,7 +863,6 @@
               <a:rPr lang="en-US"/>
               <a:t>Click to edit Master title style</a:t>
             </a:r>
-            <a:endParaRPr lang="en-US"/>
           </a:p>
         </p:txBody>
       </p:sp>
@@ -1102,7 +1099,6 @@
               <a:rPr lang="en-US"/>
               <a:t>Click to edit Master title style</a:t>
             </a:r>
-            <a:endParaRPr lang="en-US"/>
           </a:p>
         </p:txBody>
       </p:sp>
@@ -1159,7 +1155,6 @@
               <a:rPr lang="en-US"/>
               <a:t>Fifth level</a:t>
             </a:r>
-            <a:endParaRPr lang="en-US"/>
           </a:p>
         </p:txBody>
       </p:sp>
@@ -1216,7 +1211,6 @@
               <a:rPr lang="en-US"/>
               <a:t>Fifth level</a:t>
             </a:r>
-            <a:endParaRPr lang="en-US"/>
           </a:p>
         </p:txBody>
       </p:sp>
@@ -1339,7 +1333,6 @@
               <a:rPr lang="en-US"/>
               <a:t>Click to edit Master title style</a:t>
             </a:r>
-            <a:endParaRPr lang="en-US"/>
           </a:p>
         </p:txBody>
       </p:sp>
@@ -1461,7 +1454,6 @@
               <a:rPr lang="en-US"/>
               <a:t>Fifth level</a:t>
             </a:r>
-            <a:endParaRPr lang="en-US"/>
           </a:p>
         </p:txBody>
       </p:sp>
@@ -1583,7 +1575,6 @@
               <a:rPr lang="en-US"/>
               <a:t>Fifth level</a:t>
             </a:r>
-            <a:endParaRPr lang="en-US"/>
           </a:p>
         </p:txBody>
       </p:sp>
@@ -1701,7 +1692,6 @@
               <a:rPr lang="en-US"/>
               <a:t>Click to edit Master title style</a:t>
             </a:r>
-            <a:endParaRPr lang="en-US"/>
           </a:p>
         </p:txBody>
       </p:sp>
@@ -1923,7 +1913,6 @@
               <a:rPr lang="en-US"/>
               <a:t>Click to edit Master title style</a:t>
             </a:r>
-            <a:endParaRPr lang="en-US"/>
           </a:p>
         </p:txBody>
       </p:sp>
@@ -2008,7 +1997,6 @@
               <a:rPr lang="en-US"/>
               <a:t>Fifth level</a:t>
             </a:r>
-            <a:endParaRPr lang="en-US"/>
           </a:p>
         </p:txBody>
       </p:sp>
@@ -2200,7 +2188,6 @@
               <a:rPr lang="en-US"/>
               <a:t>Click to edit Master title style</a:t>
             </a:r>
-            <a:endParaRPr lang="en-US"/>
           </a:p>
         </p:txBody>
       </p:sp>
@@ -2459,7 +2446,6 @@
               <a:rPr lang="en-US"/>
               <a:t>Click to edit Master title style</a:t>
             </a:r>
-            <a:endParaRPr lang="en-US"/>
           </a:p>
         </p:txBody>
       </p:sp>
@@ -2521,7 +2507,6 @@
               <a:rPr lang="en-US"/>
               <a:t>Fifth level</a:t>
             </a:r>
-            <a:endParaRPr lang="en-US"/>
           </a:p>
         </p:txBody>
       </p:sp>
@@ -3053,13 +3038,8 @@
             </a:pPr>
             <a:r>
               <a:rPr lang="en-US" dirty="0"/>
-              <a:t>Set specific </a:t>
-            </a:r>
-            <a:r>
-              <a:rPr lang="en-US"/>
-              <a:t>quality parameters</a:t>
-            </a:r>
-            <a:endParaRPr lang="en-US" dirty="0"/>
+              <a:t>Set specific quality parameters</a:t>
+            </a:r>
           </a:p>
         </p:txBody>
       </p:sp>
@@ -3336,8 +3316,8 @@
         </p:nvCxnSpPr>
         <p:spPr>
           <a:xfrm flipV="1">
-            <a:off x="1854200" y="1820333"/>
-            <a:ext cx="1820333" cy="2841722"/>
+            <a:off x="1617133" y="1820333"/>
+            <a:ext cx="2057400" cy="2904067"/>
           </a:xfrm>
           <a:prstGeom prst="straightConnector1">
             <a:avLst/>
@@ -3376,9 +3356,9 @@
           <p:nvPr/>
         </p:nvCxnSpPr>
         <p:spPr>
-          <a:xfrm flipH="1" flipV="1">
-            <a:off x="6146800" y="3852333"/>
-            <a:ext cx="135468" cy="809722"/>
+          <a:xfrm flipV="1">
+            <a:off x="6112933" y="3852333"/>
+            <a:ext cx="33867" cy="872067"/>
           </a:xfrm>
           <a:prstGeom prst="straightConnector1">
             <a:avLst/>
@@ -3412,6 +3392,236 @@
     <p:extLst>
       <p:ext uri="{BB962C8B-B14F-4D97-AF65-F5344CB8AC3E}">
         <p14:creationId xmlns:p14="http://schemas.microsoft.com/office/powerpoint/2010/main" val="4013852282"/>
+      </p:ext>
+    </p:extLst>
+  </p:cSld>
+  <p:clrMapOvr>
+    <a:masterClrMapping/>
+  </p:clrMapOvr>
+</p:sld>
+</file>
+
+<file path=ppt/slides/slide3.xml><?xml version="1.0" encoding="utf-8"?>
+<p:sld xmlns:a="http://schemas.openxmlformats.org/drawingml/2006/main" xmlns:r="http://schemas.openxmlformats.org/officeDocument/2006/relationships" xmlns:p="http://schemas.openxmlformats.org/presentationml/2006/main">
+  <p:cSld>
+    <p:spTree>
+      <p:nvGrpSpPr>
+        <p:cNvPr id="1" name=""/>
+        <p:cNvGrpSpPr/>
+        <p:nvPr/>
+      </p:nvGrpSpPr>
+      <p:grpSpPr>
+        <a:xfrm>
+          <a:off x="0" y="0"/>
+          <a:ext cx="0" cy="0"/>
+          <a:chOff x="0" y="0"/>
+          <a:chExt cx="0" cy="0"/>
+        </a:xfrm>
+      </p:grpSpPr>
+      <p:sp>
+        <p:nvSpPr>
+          <p:cNvPr id="4" name="Rectangle 3"/>
+          <p:cNvSpPr/>
+          <p:nvPr/>
+        </p:nvSpPr>
+        <p:spPr>
+          <a:xfrm>
+            <a:off x="558801" y="2824368"/>
+            <a:ext cx="11480800" cy="307777"/>
+          </a:xfrm>
+          <a:prstGeom prst="rect">
+            <a:avLst/>
+          </a:prstGeom>
+        </p:spPr>
+        <p:txBody>
+          <a:bodyPr wrap="square">
+            <a:spAutoFit/>
+          </a:bodyPr>
+          <a:lstStyle/>
+          <a:p>
+            <a:pPr algn="ctr"/>
+            <a:r>
+              <a:rPr lang="en-US" sz="1400" dirty="0">
+                <a:hlinkClick r:id="rId2"/>
+              </a:rPr>
+              <a:t>https://open-ic.epic.com/FHIR/api/FHIR/DSTU2/Condition?patient=Tbt3KuCY0B5PSrJvCu2j-PlK.aiHsu2xUjUM8bWpetXoB</a:t>
+            </a:r>
+            <a:endParaRPr lang="en-US" sz="1400" dirty="0"/>
+          </a:p>
+        </p:txBody>
+      </p:sp>
+      <p:sp>
+        <p:nvSpPr>
+          <p:cNvPr id="5" name="TextBox 4"/>
+          <p:cNvSpPr txBox="1"/>
+          <p:nvPr/>
+        </p:nvSpPr>
+        <p:spPr>
+          <a:xfrm>
+            <a:off x="2785533" y="127000"/>
+            <a:ext cx="5748867" cy="461665"/>
+          </a:xfrm>
+          <a:prstGeom prst="rect">
+            <a:avLst/>
+          </a:prstGeom>
+          <a:noFill/>
+        </p:spPr>
+        <p:txBody>
+          <a:bodyPr wrap="square" rtlCol="0">
+            <a:spAutoFit/>
+          </a:bodyPr>
+          <a:lstStyle/>
+          <a:p>
+            <a:pPr algn="ctr"/>
+            <a:r>
+              <a:rPr lang="en-US" sz="2400" b="1" dirty="0"/>
+              <a:t>FHIR / Blockchain Interoperability</a:t>
+            </a:r>
+          </a:p>
+        </p:txBody>
+      </p:sp>
+      <p:sp>
+        <p:nvSpPr>
+          <p:cNvPr id="6" name="TextBox 5"/>
+          <p:cNvSpPr txBox="1"/>
+          <p:nvPr/>
+        </p:nvSpPr>
+        <p:spPr>
+          <a:xfrm>
+            <a:off x="2954866" y="2377867"/>
+            <a:ext cx="5748867" cy="369332"/>
+          </a:xfrm>
+          <a:prstGeom prst="rect">
+            <a:avLst/>
+          </a:prstGeom>
+          <a:noFill/>
+        </p:spPr>
+        <p:txBody>
+          <a:bodyPr wrap="square" rtlCol="0">
+            <a:spAutoFit/>
+          </a:bodyPr>
+          <a:lstStyle/>
+          <a:p>
+            <a:pPr algn="ctr"/>
+            <a:r>
+              <a:rPr lang="en-US" i="1" dirty="0"/>
+              <a:t>Live link to EPIC FHIR:</a:t>
+            </a:r>
+          </a:p>
+        </p:txBody>
+      </p:sp>
+      <p:sp>
+        <p:nvSpPr>
+          <p:cNvPr id="7" name="TextBox 6"/>
+          <p:cNvSpPr txBox="1"/>
+          <p:nvPr/>
+        </p:nvSpPr>
+        <p:spPr>
+          <a:xfrm>
+            <a:off x="2954865" y="3209314"/>
+            <a:ext cx="5748867" cy="369332"/>
+          </a:xfrm>
+          <a:prstGeom prst="rect">
+            <a:avLst/>
+          </a:prstGeom>
+          <a:noFill/>
+        </p:spPr>
+        <p:txBody>
+          <a:bodyPr wrap="square" rtlCol="0">
+            <a:spAutoFit/>
+          </a:bodyPr>
+          <a:lstStyle/>
+          <a:p>
+            <a:pPr algn="ctr"/>
+            <a:r>
+              <a:rPr lang="en-US" i="1" dirty="0"/>
+              <a:t>Same raw data being returned in our app (before display):</a:t>
+            </a:r>
+          </a:p>
+        </p:txBody>
+      </p:sp>
+      <p:pic>
+        <p:nvPicPr>
+          <p:cNvPr id="8" name="Picture 7"/>
+          <p:cNvPicPr>
+            <a:picLocks noChangeAspect="1"/>
+          </p:cNvPicPr>
+          <p:nvPr/>
+        </p:nvPicPr>
+        <p:blipFill>
+          <a:blip r:embed="rId3"/>
+          <a:stretch>
+            <a:fillRect/>
+          </a:stretch>
+        </p:blipFill>
+        <p:spPr>
+          <a:xfrm>
+            <a:off x="2688165" y="3578646"/>
+            <a:ext cx="5943600" cy="2266950"/>
+          </a:xfrm>
+          <a:prstGeom prst="rect">
+            <a:avLst/>
+          </a:prstGeom>
+        </p:spPr>
+      </p:pic>
+      <p:pic>
+        <p:nvPicPr>
+          <p:cNvPr id="9" name="Picture 8"/>
+          <p:cNvPicPr>
+            <a:picLocks noChangeAspect="1"/>
+          </p:cNvPicPr>
+          <p:nvPr/>
+        </p:nvPicPr>
+        <p:blipFill>
+          <a:blip r:embed="rId4"/>
+          <a:stretch>
+            <a:fillRect/>
+          </a:stretch>
+        </p:blipFill>
+        <p:spPr>
+          <a:xfrm>
+            <a:off x="2914648" y="1264514"/>
+            <a:ext cx="5829300" cy="619125"/>
+          </a:xfrm>
+          <a:prstGeom prst="rect">
+            <a:avLst/>
+          </a:prstGeom>
+        </p:spPr>
+      </p:pic>
+      <p:sp>
+        <p:nvSpPr>
+          <p:cNvPr id="10" name="TextBox 9"/>
+          <p:cNvSpPr txBox="1"/>
+          <p:nvPr/>
+        </p:nvSpPr>
+        <p:spPr>
+          <a:xfrm>
+            <a:off x="2954865" y="856598"/>
+            <a:ext cx="5748867" cy="369332"/>
+          </a:xfrm>
+          <a:prstGeom prst="rect">
+            <a:avLst/>
+          </a:prstGeom>
+          <a:noFill/>
+        </p:spPr>
+        <p:txBody>
+          <a:bodyPr wrap="square" rtlCol="0">
+            <a:spAutoFit/>
+          </a:bodyPr>
+          <a:lstStyle/>
+          <a:p>
+            <a:pPr algn="ctr"/>
+            <a:r>
+              <a:rPr lang="en-US" i="1" dirty="0"/>
+              <a:t>Raw data being requested from the Blockchain:</a:t>
+            </a:r>
+          </a:p>
+        </p:txBody>
+      </p:sp>
+    </p:spTree>
+    <p:extLst>
+      <p:ext uri="{BB962C8B-B14F-4D97-AF65-F5344CB8AC3E}">
+        <p14:creationId xmlns:p14="http://schemas.microsoft.com/office/powerpoint/2010/main" val="1691162681"/>
       </p:ext>
     </p:extLst>
   </p:cSld>
